--- a/H2/report/pic/1.pptx
+++ b/H2/report/pic/1.pptx
@@ -270,7 +270,7 @@
           <a:p>
             <a:fld id="{51F8209F-B321-4A5E-8AA1-86537AD8B092}" type="datetimeFigureOut">
               <a:rPr lang="zh-CN" altLang="en-US" smtClean="0"/>
-              <a:t>2023/11/20</a:t>
+              <a:t>2023/12/20</a:t>
             </a:fld>
             <a:endParaRPr lang="zh-CN" altLang="en-US"/>
           </a:p>
@@ -468,7 +468,7 @@
           <a:p>
             <a:fld id="{51F8209F-B321-4A5E-8AA1-86537AD8B092}" type="datetimeFigureOut">
               <a:rPr lang="zh-CN" altLang="en-US" smtClean="0"/>
-              <a:t>2023/11/20</a:t>
+              <a:t>2023/12/20</a:t>
             </a:fld>
             <a:endParaRPr lang="zh-CN" altLang="en-US"/>
           </a:p>
@@ -676,7 +676,7 @@
           <a:p>
             <a:fld id="{51F8209F-B321-4A5E-8AA1-86537AD8B092}" type="datetimeFigureOut">
               <a:rPr lang="zh-CN" altLang="en-US" smtClean="0"/>
-              <a:t>2023/11/20</a:t>
+              <a:t>2023/12/20</a:t>
             </a:fld>
             <a:endParaRPr lang="zh-CN" altLang="en-US"/>
           </a:p>
@@ -874,7 +874,7 @@
           <a:p>
             <a:fld id="{51F8209F-B321-4A5E-8AA1-86537AD8B092}" type="datetimeFigureOut">
               <a:rPr lang="zh-CN" altLang="en-US" smtClean="0"/>
-              <a:t>2023/11/20</a:t>
+              <a:t>2023/12/20</a:t>
             </a:fld>
             <a:endParaRPr lang="zh-CN" altLang="en-US"/>
           </a:p>
@@ -1149,7 +1149,7 @@
           <a:p>
             <a:fld id="{51F8209F-B321-4A5E-8AA1-86537AD8B092}" type="datetimeFigureOut">
               <a:rPr lang="zh-CN" altLang="en-US" smtClean="0"/>
-              <a:t>2023/11/20</a:t>
+              <a:t>2023/12/20</a:t>
             </a:fld>
             <a:endParaRPr lang="zh-CN" altLang="en-US"/>
           </a:p>
@@ -1414,7 +1414,7 @@
           <a:p>
             <a:fld id="{51F8209F-B321-4A5E-8AA1-86537AD8B092}" type="datetimeFigureOut">
               <a:rPr lang="zh-CN" altLang="en-US" smtClean="0"/>
-              <a:t>2023/11/20</a:t>
+              <a:t>2023/12/20</a:t>
             </a:fld>
             <a:endParaRPr lang="zh-CN" altLang="en-US"/>
           </a:p>
@@ -1826,7 +1826,7 @@
           <a:p>
             <a:fld id="{51F8209F-B321-4A5E-8AA1-86537AD8B092}" type="datetimeFigureOut">
               <a:rPr lang="zh-CN" altLang="en-US" smtClean="0"/>
-              <a:t>2023/11/20</a:t>
+              <a:t>2023/12/20</a:t>
             </a:fld>
             <a:endParaRPr lang="zh-CN" altLang="en-US"/>
           </a:p>
@@ -1967,7 +1967,7 @@
           <a:p>
             <a:fld id="{51F8209F-B321-4A5E-8AA1-86537AD8B092}" type="datetimeFigureOut">
               <a:rPr lang="zh-CN" altLang="en-US" smtClean="0"/>
-              <a:t>2023/11/20</a:t>
+              <a:t>2023/12/20</a:t>
             </a:fld>
             <a:endParaRPr lang="zh-CN" altLang="en-US"/>
           </a:p>
@@ -2080,7 +2080,7 @@
           <a:p>
             <a:fld id="{51F8209F-B321-4A5E-8AA1-86537AD8B092}" type="datetimeFigureOut">
               <a:rPr lang="zh-CN" altLang="en-US" smtClean="0"/>
-              <a:t>2023/11/20</a:t>
+              <a:t>2023/12/20</a:t>
             </a:fld>
             <a:endParaRPr lang="zh-CN" altLang="en-US"/>
           </a:p>
@@ -2391,7 +2391,7 @@
           <a:p>
             <a:fld id="{51F8209F-B321-4A5E-8AA1-86537AD8B092}" type="datetimeFigureOut">
               <a:rPr lang="zh-CN" altLang="en-US" smtClean="0"/>
-              <a:t>2023/11/20</a:t>
+              <a:t>2023/12/20</a:t>
             </a:fld>
             <a:endParaRPr lang="zh-CN" altLang="en-US"/>
           </a:p>
@@ -2679,7 +2679,7 @@
           <a:p>
             <a:fld id="{51F8209F-B321-4A5E-8AA1-86537AD8B092}" type="datetimeFigureOut">
               <a:rPr lang="zh-CN" altLang="en-US" smtClean="0"/>
-              <a:t>2023/11/20</a:t>
+              <a:t>2023/12/20</a:t>
             </a:fld>
             <a:endParaRPr lang="zh-CN" altLang="en-US"/>
           </a:p>
@@ -2920,7 +2920,7 @@
           <a:p>
             <a:fld id="{51F8209F-B321-4A5E-8AA1-86537AD8B092}" type="datetimeFigureOut">
               <a:rPr lang="zh-CN" altLang="en-US" smtClean="0"/>
-              <a:t>2023/11/20</a:t>
+              <a:t>2023/12/20</a:t>
             </a:fld>
             <a:endParaRPr lang="zh-CN" altLang="en-US"/>
           </a:p>
@@ -3546,7 +3546,7 @@
                 <a:latin typeface="Times New Roman" panose="02020603050405020304" pitchFamily="18" charset="0"/>
                 <a:cs typeface="Times New Roman" panose="02020603050405020304" pitchFamily="18" charset="0"/>
               </a:rPr>
-              <a:t>176.11.16.0</a:t>
+              <a:t>176.11.16.0/20</a:t>
             </a:r>
           </a:p>
           <a:p>
@@ -3942,7 +3942,7 @@
                 <a:latin typeface="Times New Roman" panose="02020603050405020304" pitchFamily="18" charset="0"/>
                 <a:cs typeface="Times New Roman" panose="02020603050405020304" pitchFamily="18" charset="0"/>
               </a:rPr>
-              <a:t>176.11.48.0</a:t>
+              <a:t>176.11.48.0/20</a:t>
             </a:r>
           </a:p>
           <a:p>
@@ -4025,7 +4025,7 @@
                 <a:latin typeface="Times New Roman" panose="02020603050405020304" pitchFamily="18" charset="0"/>
                 <a:cs typeface="Times New Roman" panose="02020603050405020304" pitchFamily="18" charset="0"/>
               </a:rPr>
-              <a:t>176.11.32.0</a:t>
+              <a:t>176.11.32.0/20</a:t>
             </a:r>
           </a:p>
           <a:p>
@@ -5045,7 +5045,7 @@
                 <a:latin typeface="Times New Roman" panose="02020603050405020304" pitchFamily="18" charset="0"/>
                 <a:cs typeface="Times New Roman" panose="02020603050405020304" pitchFamily="18" charset="0"/>
               </a:rPr>
-              <a:t>176.11.64.0</a:t>
+              <a:t>176.11.64.0/20</a:t>
             </a:r>
           </a:p>
           <a:p>
